--- a/Research/Richardson extrapolation-pre.pptx
+++ b/Research/Richardson extrapolation-pre.pptx
@@ -113,7 +113,64 @@
       </a:defRPr>
     </a:lvl9pPr>
   </p:defaultTextStyle>
+  <p:extLst>
+    <p:ext uri="{EFAFB233-063F-42B5-8137-9DF3F51BA10A}">
+      <p15:sldGuideLst xmlns:p15="http://schemas.microsoft.com/office/powerpoint/2012/main"/>
+    </p:ext>
+  </p:extLst>
 </p:presentation>
+</file>
+
+<file path=ppt/revisionInfo.xml><?xml version="1.0" encoding="utf-8"?>
+<p1510:revInfo xmlns:a="http://schemas.openxmlformats.org/drawingml/2006/main" xmlns:r="http://schemas.openxmlformats.org/officeDocument/2006/relationships" xmlns:p1510="http://schemas.microsoft.com/office/powerpoint/2015/10/main">
+  <p1510:revLst>
+    <p1510:client id="{BE79354F-FD19-46B3-8121-C16810F2D748}" v="23" dt="2021-07-05T14:44:04.114"/>
+  </p1510:revLst>
+</p1510:revInfo>
+</file>
+
+<file path=ppt/changesInfos/changesInfo1.xml><?xml version="1.0" encoding="utf-8"?>
+<pc:chgInfo xmlns:a="http://schemas.openxmlformats.org/drawingml/2006/main" xmlns:r="http://schemas.openxmlformats.org/officeDocument/2006/relationships" xmlns:ac="http://schemas.microsoft.com/office/drawing/2013/main/command" xmlns:pc="http://schemas.microsoft.com/office/powerpoint/2013/main/command">
+  <pc:docChgLst>
+    <pc:chgData name="avital mahgerefte" userId="922c96a1e6db8cb1" providerId="LiveId" clId="{BE79354F-FD19-46B3-8121-C16810F2D748}"/>
+    <pc:docChg chg="modSld">
+      <pc:chgData name="avital mahgerefte" userId="922c96a1e6db8cb1" providerId="LiveId" clId="{BE79354F-FD19-46B3-8121-C16810F2D748}" dt="2021-07-05T14:44:04.114" v="22"/>
+      <pc:docMkLst>
+        <pc:docMk/>
+      </pc:docMkLst>
+      <pc:sldChg chg="modSp">
+        <pc:chgData name="avital mahgerefte" userId="922c96a1e6db8cb1" providerId="LiveId" clId="{BE79354F-FD19-46B3-8121-C16810F2D748}" dt="2021-07-05T14:42:54.375" v="3" actId="20577"/>
+        <pc:sldMkLst>
+          <pc:docMk/>
+          <pc:sldMk cId="1273851358" sldId="265"/>
+        </pc:sldMkLst>
+        <pc:spChg chg="mod">
+          <ac:chgData name="avital mahgerefte" userId="922c96a1e6db8cb1" providerId="LiveId" clId="{BE79354F-FD19-46B3-8121-C16810F2D748}" dt="2021-07-05T14:42:54.375" v="3" actId="20577"/>
+          <ac:spMkLst>
+            <pc:docMk/>
+            <pc:sldMk cId="1273851358" sldId="265"/>
+            <ac:spMk id="5" creationId="{CDE7BF5A-C27F-4DA0-A82C-438D327CE3BB}"/>
+          </ac:spMkLst>
+        </pc:spChg>
+      </pc:sldChg>
+      <pc:sldChg chg="modSp">
+        <pc:chgData name="avital mahgerefte" userId="922c96a1e6db8cb1" providerId="LiveId" clId="{BE79354F-FD19-46B3-8121-C16810F2D748}" dt="2021-07-05T14:44:04.114" v="22"/>
+        <pc:sldMkLst>
+          <pc:docMk/>
+          <pc:sldMk cId="1918386359" sldId="267"/>
+        </pc:sldMkLst>
+        <pc:spChg chg="mod">
+          <ac:chgData name="avital mahgerefte" userId="922c96a1e6db8cb1" providerId="LiveId" clId="{BE79354F-FD19-46B3-8121-C16810F2D748}" dt="2021-07-05T14:44:04.114" v="22"/>
+          <ac:spMkLst>
+            <pc:docMk/>
+            <pc:sldMk cId="1918386359" sldId="267"/>
+            <ac:spMk id="8" creationId="{6E0CA468-D785-42BF-BA44-54D4A7304A29}"/>
+          </ac:spMkLst>
+        </pc:spChg>
+      </pc:sldChg>
+    </pc:docChg>
+  </pc:docChgLst>
+</pc:chgInfo>
 </file>
 
 <file path=ppt/slideLayouts/slideLayout1.xml><?xml version="1.0" encoding="utf-8"?>
@@ -4063,8 +4120,8 @@
           </a:p>
         </p:txBody>
       </p:sp>
-      <mc:AlternateContent xmlns:mc="http://schemas.openxmlformats.org/markup-compatibility/2006">
-        <mc:Choice xmlns:a14="http://schemas.microsoft.com/office/drawing/2010/main" Requires="a14">
+      <mc:AlternateContent xmlns:mc="http://schemas.openxmlformats.org/markup-compatibility/2006" xmlns:a14="http://schemas.microsoft.com/office/drawing/2010/main">
+        <mc:Choice Requires="a14">
           <p:sp>
             <p:nvSpPr>
               <p:cNvPr id="11" name="TextBox 10">
@@ -4398,7 +4455,7 @@
             </p:txBody>
           </p:sp>
         </mc:Choice>
-        <mc:Fallback>
+        <mc:Fallback xmlns="">
           <p:sp>
             <p:nvSpPr>
               <p:cNvPr id="11" name="TextBox 10">
@@ -4443,8 +4500,8 @@
           </p:sp>
         </mc:Fallback>
       </mc:AlternateContent>
-      <mc:AlternateContent xmlns:mc="http://schemas.openxmlformats.org/markup-compatibility/2006">
-        <mc:Choice xmlns:a14="http://schemas.microsoft.com/office/drawing/2010/main" Requires="a14">
+      <mc:AlternateContent xmlns:mc="http://schemas.openxmlformats.org/markup-compatibility/2006" xmlns:a14="http://schemas.microsoft.com/office/drawing/2010/main">
+        <mc:Choice Requires="a14">
           <p:sp>
             <p:nvSpPr>
               <p:cNvPr id="13" name="TextBox 12">
@@ -4949,7 +5006,7 @@
             </p:txBody>
           </p:sp>
         </mc:Choice>
-        <mc:Fallback>
+        <mc:Fallback xmlns="">
           <p:sp>
             <p:nvSpPr>
               <p:cNvPr id="13" name="TextBox 12">
@@ -5054,8 +5111,8 @@
           </a:prstGeom>
         </p:spPr>
       </p:pic>
-      <mc:AlternateContent xmlns:mc="http://schemas.openxmlformats.org/markup-compatibility/2006">
-        <mc:Choice xmlns:a14="http://schemas.microsoft.com/office/drawing/2010/main" Requires="a14">
+      <mc:AlternateContent xmlns:mc="http://schemas.openxmlformats.org/markup-compatibility/2006" xmlns:a14="http://schemas.microsoft.com/office/drawing/2010/main">
+        <mc:Choice Requires="a14">
           <p:sp>
             <p:nvSpPr>
               <p:cNvPr id="4" name="TextBox 3">
@@ -5986,7 +6043,7 @@
             </p:txBody>
           </p:sp>
         </mc:Choice>
-        <mc:Fallback>
+        <mc:Fallback xmlns="">
           <p:sp>
             <p:nvSpPr>
               <p:cNvPr id="4" name="TextBox 3">
@@ -6031,8 +6088,8 @@
           </p:sp>
         </mc:Fallback>
       </mc:AlternateContent>
-      <mc:AlternateContent xmlns:mc="http://schemas.openxmlformats.org/markup-compatibility/2006">
-        <mc:Choice xmlns:a14="http://schemas.microsoft.com/office/drawing/2010/main" Requires="a14">
+      <mc:AlternateContent xmlns:mc="http://schemas.openxmlformats.org/markup-compatibility/2006" xmlns:a14="http://schemas.microsoft.com/office/drawing/2010/main">
+        <mc:Choice Requires="a14">
           <p:sp>
             <p:nvSpPr>
               <p:cNvPr id="5" name="TextBox 4">
@@ -6853,7 +6910,7 @@
             </p:txBody>
           </p:sp>
         </mc:Choice>
-        <mc:Fallback>
+        <mc:Fallback xmlns="">
           <p:sp>
             <p:nvSpPr>
               <p:cNvPr id="5" name="TextBox 4">
@@ -7014,8 +7071,8 @@
           </a:prstGeom>
         </p:spPr>
       </p:pic>
-      <mc:AlternateContent xmlns:mc="http://schemas.openxmlformats.org/markup-compatibility/2006">
-        <mc:Choice xmlns:a14="http://schemas.microsoft.com/office/drawing/2010/main" Requires="a14">
+      <mc:AlternateContent xmlns:mc="http://schemas.openxmlformats.org/markup-compatibility/2006" xmlns:a14="http://schemas.microsoft.com/office/drawing/2010/main">
+        <mc:Choice Requires="a14">
           <p:sp>
             <p:nvSpPr>
               <p:cNvPr id="13" name="TextBox 12">
@@ -7599,7 +7656,7 @@
             </p:txBody>
           </p:sp>
         </mc:Choice>
-        <mc:Fallback>
+        <mc:Fallback xmlns="">
           <p:sp>
             <p:nvSpPr>
               <p:cNvPr id="13" name="TextBox 12">
@@ -7704,8 +7761,8 @@
           </a:prstGeom>
         </p:spPr>
       </p:pic>
-      <mc:AlternateContent xmlns:mc="http://schemas.openxmlformats.org/markup-compatibility/2006">
-        <mc:Choice xmlns:a14="http://schemas.microsoft.com/office/drawing/2010/main" Requires="a14">
+      <mc:AlternateContent xmlns:mc="http://schemas.openxmlformats.org/markup-compatibility/2006" xmlns:a14="http://schemas.microsoft.com/office/drawing/2010/main">
+        <mc:Choice Requires="a14">
           <p:sp>
             <p:nvSpPr>
               <p:cNvPr id="4" name="TextBox 3">
@@ -8990,7 +9047,7 @@
             </p:txBody>
           </p:sp>
         </mc:Choice>
-        <mc:Fallback>
+        <mc:Fallback xmlns="">
           <p:sp>
             <p:nvSpPr>
               <p:cNvPr id="4" name="TextBox 3">
@@ -9035,8 +9092,8 @@
           </p:sp>
         </mc:Fallback>
       </mc:AlternateContent>
-      <mc:AlternateContent xmlns:mc="http://schemas.openxmlformats.org/markup-compatibility/2006">
-        <mc:Choice xmlns:a14="http://schemas.microsoft.com/office/drawing/2010/main" Requires="a14">
+      <mc:AlternateContent xmlns:mc="http://schemas.openxmlformats.org/markup-compatibility/2006" xmlns:a14="http://schemas.microsoft.com/office/drawing/2010/main">
+        <mc:Choice Requires="a14">
           <p:sp>
             <p:nvSpPr>
               <p:cNvPr id="5" name="TextBox 4">
@@ -10097,7 +10154,7 @@
             </p:txBody>
           </p:sp>
         </mc:Choice>
-        <mc:Fallback>
+        <mc:Fallback xmlns="">
           <p:sp>
             <p:nvSpPr>
               <p:cNvPr id="5" name="TextBox 4">
@@ -10202,8 +10259,8 @@
           </a:prstGeom>
         </p:spPr>
       </p:pic>
-      <mc:AlternateContent xmlns:mc="http://schemas.openxmlformats.org/markup-compatibility/2006">
-        <mc:Choice xmlns:a14="http://schemas.microsoft.com/office/drawing/2010/main" Requires="a14">
+      <mc:AlternateContent xmlns:mc="http://schemas.openxmlformats.org/markup-compatibility/2006" xmlns:a14="http://schemas.microsoft.com/office/drawing/2010/main">
+        <mc:Choice Requires="a14">
           <p:sp>
             <p:nvSpPr>
               <p:cNvPr id="4" name="TextBox 3">
@@ -11314,7 +11371,7 @@
             </p:txBody>
           </p:sp>
         </mc:Choice>
-        <mc:Fallback>
+        <mc:Fallback xmlns="">
           <p:sp>
             <p:nvSpPr>
               <p:cNvPr id="4" name="TextBox 3">
@@ -12228,13 +12285,31 @@
                             <m:t>=</m:t>
                           </m:r>
                           <m:r>
-                            <a:rPr lang="en-US" sz="1800" i="1">
-                              <a:effectLst/>
-                              <a:latin typeface="Cambria Math" panose="02040503050406030204" pitchFamily="18" charset="0"/>
-                              <a:ea typeface="Calibri" panose="020F0502020204030204" pitchFamily="34" charset="0"/>
-                              <a:cs typeface="Arial" panose="020B0604020202020204" pitchFamily="34" charset="0"/>
-                            </a:rPr>
-                            <m:t>1</m:t>
+                            <a:rPr lang="en-US" sz="1800" b="0" i="1" smtClean="0">
+                              <a:effectLst/>
+                              <a:latin typeface="Cambria Math" panose="02040503050406030204" pitchFamily="18" charset="0"/>
+                              <a:ea typeface="Calibri" panose="020F0502020204030204" pitchFamily="34" charset="0"/>
+                              <a:cs typeface="Arial" panose="020B0604020202020204" pitchFamily="34" charset="0"/>
+                            </a:rPr>
+                            <m:t>0</m:t>
+                          </m:r>
+                          <m:r>
+                            <a:rPr lang="en-US" sz="1800" b="0" i="1" smtClean="0">
+                              <a:effectLst/>
+                              <a:latin typeface="Cambria Math" panose="02040503050406030204" pitchFamily="18" charset="0"/>
+                              <a:ea typeface="Calibri" panose="020F0502020204030204" pitchFamily="34" charset="0"/>
+                              <a:cs typeface="Arial" panose="020B0604020202020204" pitchFamily="34" charset="0"/>
+                            </a:rPr>
+                            <m:t>.</m:t>
+                          </m:r>
+                          <m:r>
+                            <a:rPr lang="en-US" sz="1800" b="0" i="1" smtClean="0">
+                              <a:effectLst/>
+                              <a:latin typeface="Cambria Math" panose="02040503050406030204" pitchFamily="18" charset="0"/>
+                              <a:ea typeface="Calibri" panose="020F0502020204030204" pitchFamily="34" charset="0"/>
+                              <a:cs typeface="Arial" panose="020B0604020202020204" pitchFamily="34" charset="0"/>
+                            </a:rPr>
+                            <m:t>5</m:t>
                           </m:r>
                         </m:e>
                       </m:d>
@@ -12775,8 +12850,8 @@
           </p:sp>
         </mc:Fallback>
       </mc:AlternateContent>
-      <mc:AlternateContent xmlns:mc="http://schemas.openxmlformats.org/markup-compatibility/2006">
-        <mc:Choice xmlns:a14="http://schemas.microsoft.com/office/drawing/2010/main" Requires="a14">
+      <mc:AlternateContent xmlns:mc="http://schemas.openxmlformats.org/markup-compatibility/2006" xmlns:a14="http://schemas.microsoft.com/office/drawing/2010/main">
+        <mc:Choice Requires="a14">
           <p:sp>
             <p:nvSpPr>
               <p:cNvPr id="7" name="TextBox 6">
@@ -13841,7 +13916,7 @@
             </p:txBody>
           </p:sp>
         </mc:Choice>
-        <mc:Fallback>
+        <mc:Fallback xmlns="">
           <p:sp>
             <p:nvSpPr>
               <p:cNvPr id="7" name="TextBox 6">
@@ -14341,7 +14416,7 @@
                         <a:ea typeface="Calibri" panose="020F0502020204030204" pitchFamily="34" charset="0"/>
                         <a:cs typeface="Arial" panose="020B0604020202020204" pitchFamily="34" charset="0"/>
                       </a:rPr>
-                      <m:t>91509</m:t>
+                      <m:t>01745</m:t>
                     </m:r>
                     <m:r>
                       <a:rPr lang="en-US" sz="1800" i="1">
@@ -14718,11 +14793,10 @@
                         <a:ea typeface="Calibri" panose="020F0502020204030204" pitchFamily="34" charset="0"/>
                         <a:cs typeface="Arial" panose="020B0604020202020204" pitchFamily="34" charset="0"/>
                       </a:rPr>
-                      <m:t>= </m:t>
+                      <m:t>=</m:t>
                     </m:r>
                     <m:r>
-                      <a:rPr lang="en-US" sz="1800" i="1">
-                        <a:effectLst/>
+                      <a:rPr lang="en-US" i="1">
                         <a:latin typeface="Cambria Math" panose="02040503050406030204" pitchFamily="18" charset="0"/>
                         <a:ea typeface="Calibri" panose="020F0502020204030204" pitchFamily="34" charset="0"/>
                         <a:cs typeface="Arial" panose="020B0604020202020204" pitchFamily="34" charset="0"/>
@@ -14730,8 +14804,7 @@
                       <m:t>0</m:t>
                     </m:r>
                     <m:r>
-                      <a:rPr lang="en-US" sz="1800" i="1">
-                        <a:effectLst/>
+                      <a:rPr lang="en-US" i="1">
                         <a:latin typeface="Cambria Math" panose="02040503050406030204" pitchFamily="18" charset="0"/>
                         <a:ea typeface="Calibri" panose="020F0502020204030204" pitchFamily="34" charset="0"/>
                         <a:cs typeface="Arial" panose="020B0604020202020204" pitchFamily="34" charset="0"/>
@@ -14739,13 +14812,12 @@
                       <m:t>.</m:t>
                     </m:r>
                     <m:r>
-                      <a:rPr lang="en-US" sz="1800" b="0" i="1" smtClean="0">
-                        <a:effectLst/>
+                      <a:rPr lang="en-US" i="1">
                         <a:latin typeface="Cambria Math" panose="02040503050406030204" pitchFamily="18" charset="0"/>
                         <a:ea typeface="Calibri" panose="020F0502020204030204" pitchFamily="34" charset="0"/>
                         <a:cs typeface="Arial" panose="020B0604020202020204" pitchFamily="34" charset="0"/>
                       </a:rPr>
-                      <m:t>9182</m:t>
+                      <m:t>01745</m:t>
                     </m:r>
                     <m:r>
                       <a:rPr lang="en-US" sz="1800" i="1">
@@ -14921,7 +14993,7 @@
                         <m:t>𝑇𝑣</m:t>
                       </m:r>
                       <m:r>
-                        <a:rPr lang="en-US" sz="1800" i="1">
+                        <a:rPr lang="en-US" sz="1800" b="0" i="1" smtClean="0">
                           <a:effectLst/>
                           <a:latin typeface="Cambria Math" panose="02040503050406030204" pitchFamily="18" charset="0"/>
                           <a:ea typeface="Calibri" panose="020F0502020204030204" pitchFamily="34" charset="0"/>
@@ -14930,8 +15002,7 @@
                         <m:t>=</m:t>
                       </m:r>
                       <m:r>
-                        <a:rPr lang="en-US" sz="1800" b="0" i="1" smtClean="0">
-                          <a:effectLst/>
+                        <a:rPr lang="en-US" sz="1600" i="1">
                           <a:latin typeface="Cambria Math" panose="02040503050406030204" pitchFamily="18" charset="0"/>
                           <a:ea typeface="Calibri" panose="020F0502020204030204" pitchFamily="34" charset="0"/>
                           <a:cs typeface="Arial" panose="020B0604020202020204" pitchFamily="34" charset="0"/>
@@ -14939,8 +15010,7 @@
                         <m:t>0</m:t>
                       </m:r>
                       <m:r>
-                        <a:rPr lang="en-US" sz="1800" b="0" i="1" smtClean="0">
-                          <a:effectLst/>
+                        <a:rPr lang="en-US" sz="1600" i="1">
                           <a:latin typeface="Cambria Math" panose="02040503050406030204" pitchFamily="18" charset="0"/>
                           <a:ea typeface="Calibri" panose="020F0502020204030204" pitchFamily="34" charset="0"/>
                           <a:cs typeface="Arial" panose="020B0604020202020204" pitchFamily="34" charset="0"/>
@@ -14948,13 +15018,12 @@
                         <m:t>.</m:t>
                       </m:r>
                       <m:r>
-                        <a:rPr lang="en-US" sz="1800" b="0" i="1" smtClean="0">
-                          <a:effectLst/>
+                        <a:rPr lang="en-US" sz="1600" i="1">
                           <a:latin typeface="Cambria Math" panose="02040503050406030204" pitchFamily="18" charset="0"/>
                           <a:ea typeface="Calibri" panose="020F0502020204030204" pitchFamily="34" charset="0"/>
                           <a:cs typeface="Arial" panose="020B0604020202020204" pitchFamily="34" charset="0"/>
                         </a:rPr>
-                        <m:t>9192</m:t>
+                        <m:t>01745</m:t>
                       </m:r>
                     </m:oMath>
                   </m:oMathPara>
@@ -15020,7 +15089,7 @@
               <a:blipFill>
                 <a:blip r:embed="rId3"/>
                 <a:stretch>
-                  <a:fillRect l="-959" r="-959" b="-354"/>
+                  <a:fillRect l="-959" r="-959" b="-265"/>
                 </a:stretch>
               </a:blipFill>
             </p:spPr>
